--- a/guides/R_fundamentals/R_importing-data.pptx
+++ b/guides/R_fundamentals/R_importing-data.pptx
@@ -1,6 +1,6 @@
 
 <file path=ppt/presentation.xml><?xml version="1.0" encoding="utf-8"?>
-<p:presentation xmlns:a="http://schemas.openxmlformats.org/drawingml/2006/main" xmlns:p="http://schemas.openxmlformats.org/presentationml/2006/main" xmlns:r="http://schemas.openxmlformats.org/officeDocument/2006/relationships" saveSubsetFonts="1">
+<p:presentation xmlns:a="http://schemas.openxmlformats.org/drawingml/2006/main" xmlns:r="http://schemas.openxmlformats.org/officeDocument/2006/relationships" xmlns:p="http://schemas.openxmlformats.org/presentationml/2006/main" saveSubsetFonts="1">
   <p:sldMasterIdLst>
     <p:sldMasterId id="2147483660" r:id="rId1"/>
   </p:sldMasterIdLst>
@@ -37,8 +37,8 @@
     <a:defPPr>
       <a:defRPr lang="en-US"/>
     </a:defPPr>
-    <a:lvl1pPr algn="l" defTabSz="457200" eaLnBrk="1" hangingPunct="1" latinLnBrk="0" marL="0" rtl="0">
-      <a:defRPr kern="1200" sz="1800">
+    <a:lvl1pPr marL="0" algn="l" defTabSz="457200" rtl="0" eaLnBrk="1" latinLnBrk="0" hangingPunct="1">
+      <a:defRPr sz="1800" kern="1200">
         <a:solidFill>
           <a:schemeClr val="tx1"/>
         </a:solidFill>
@@ -47,8 +47,8 @@
         <a:cs typeface="+mn-cs"/>
       </a:defRPr>
     </a:lvl1pPr>
-    <a:lvl2pPr algn="l" defTabSz="457200" eaLnBrk="1" hangingPunct="1" latinLnBrk="0" marL="457200" rtl="0">
-      <a:defRPr kern="1200" sz="1800">
+    <a:lvl2pPr marL="457200" algn="l" defTabSz="457200" rtl="0" eaLnBrk="1" latinLnBrk="0" hangingPunct="1">
+      <a:defRPr sz="1800" kern="1200">
         <a:solidFill>
           <a:schemeClr val="tx1"/>
         </a:solidFill>
@@ -57,8 +57,8 @@
         <a:cs typeface="+mn-cs"/>
       </a:defRPr>
     </a:lvl2pPr>
-    <a:lvl3pPr algn="l" defTabSz="457200" eaLnBrk="1" hangingPunct="1" latinLnBrk="0" marL="914400" rtl="0">
-      <a:defRPr kern="1200" sz="1800">
+    <a:lvl3pPr marL="914400" algn="l" defTabSz="457200" rtl="0" eaLnBrk="1" latinLnBrk="0" hangingPunct="1">
+      <a:defRPr sz="1800" kern="1200">
         <a:solidFill>
           <a:schemeClr val="tx1"/>
         </a:solidFill>
@@ -67,8 +67,8 @@
         <a:cs typeface="+mn-cs"/>
       </a:defRPr>
     </a:lvl3pPr>
-    <a:lvl4pPr algn="l" defTabSz="457200" eaLnBrk="1" hangingPunct="1" latinLnBrk="0" marL="1371600" rtl="0">
-      <a:defRPr kern="1200" sz="1800">
+    <a:lvl4pPr marL="1371600" algn="l" defTabSz="457200" rtl="0" eaLnBrk="1" latinLnBrk="0" hangingPunct="1">
+      <a:defRPr sz="1800" kern="1200">
         <a:solidFill>
           <a:schemeClr val="tx1"/>
         </a:solidFill>
@@ -77,8 +77,8 @@
         <a:cs typeface="+mn-cs"/>
       </a:defRPr>
     </a:lvl4pPr>
-    <a:lvl5pPr algn="l" defTabSz="457200" eaLnBrk="1" hangingPunct="1" latinLnBrk="0" marL="1828800" rtl="0">
-      <a:defRPr kern="1200" sz="1800">
+    <a:lvl5pPr marL="1828800" algn="l" defTabSz="457200" rtl="0" eaLnBrk="1" latinLnBrk="0" hangingPunct="1">
+      <a:defRPr sz="1800" kern="1200">
         <a:solidFill>
           <a:schemeClr val="tx1"/>
         </a:solidFill>
@@ -87,8 +87,8 @@
         <a:cs typeface="+mn-cs"/>
       </a:defRPr>
     </a:lvl5pPr>
-    <a:lvl6pPr algn="l" defTabSz="457200" eaLnBrk="1" hangingPunct="1" latinLnBrk="0" marL="2286000" rtl="0">
-      <a:defRPr kern="1200" sz="1800">
+    <a:lvl6pPr marL="2286000" algn="l" defTabSz="457200" rtl="0" eaLnBrk="1" latinLnBrk="0" hangingPunct="1">
+      <a:defRPr sz="1800" kern="1200">
         <a:solidFill>
           <a:schemeClr val="tx1"/>
         </a:solidFill>
@@ -97,8 +97,8 @@
         <a:cs typeface="+mn-cs"/>
       </a:defRPr>
     </a:lvl6pPr>
-    <a:lvl7pPr algn="l" defTabSz="457200" eaLnBrk="1" hangingPunct="1" latinLnBrk="0" marL="2743200" rtl="0">
-      <a:defRPr kern="1200" sz="1800">
+    <a:lvl7pPr marL="2743200" algn="l" defTabSz="457200" rtl="0" eaLnBrk="1" latinLnBrk="0" hangingPunct="1">
+      <a:defRPr sz="1800" kern="1200">
         <a:solidFill>
           <a:schemeClr val="tx1"/>
         </a:solidFill>
@@ -107,8 +107,8 @@
         <a:cs typeface="+mn-cs"/>
       </a:defRPr>
     </a:lvl7pPr>
-    <a:lvl8pPr algn="l" defTabSz="457200" eaLnBrk="1" hangingPunct="1" latinLnBrk="0" marL="3200400" rtl="0">
-      <a:defRPr kern="1200" sz="1800">
+    <a:lvl8pPr marL="3200400" algn="l" defTabSz="457200" rtl="0" eaLnBrk="1" latinLnBrk="0" hangingPunct="1">
+      <a:defRPr sz="1800" kern="1200">
         <a:solidFill>
           <a:schemeClr val="tx1"/>
         </a:solidFill>
@@ -117,8 +117,8 @@
         <a:cs typeface="+mn-cs"/>
       </a:defRPr>
     </a:lvl8pPr>
-    <a:lvl9pPr algn="l" defTabSz="457200" eaLnBrk="1" hangingPunct="1" latinLnBrk="0" marL="3657600" rtl="0">
-      <a:defRPr kern="1200" sz="1800">
+    <a:lvl9pPr marL="3657600" algn="l" defTabSz="457200" rtl="0" eaLnBrk="1" latinLnBrk="0" hangingPunct="1">
+      <a:defRPr sz="1800" kern="1200">
         <a:solidFill>
           <a:schemeClr val="tx1"/>
         </a:solidFill>
@@ -218,7 +218,7 @@
           <a:p>
             <a:fld id="{0F9C1CCF-B725-44A7-AA57-5E433BD85C9F}" type="datetimeFigureOut">
               <a:rPr lang="en-US" smtClean="0"/>
-              <a:t>1/2/22</a:t>
+              <a:t>10/20/2025</a:t>
             </a:fld>
             <a:endParaRPr lang="en-US"/>
           </a:p>
@@ -529,11 +529,10 @@
           <a:bodyPr/>
           <a:lstStyle/>
           <a:p>
-            <a:pPr lvl="0" indent="0" marL="0">
+            <a:pPr marL="0" lvl="0" indent="0">
               <a:buNone/>
             </a:pPr>
             <a:r>
-              <a:rPr/>
               <a:t>We usually visualize our data as existing in distinct files that we can interact with. Google sheets, CSV, Excel files &amp;c. These consist of rows, columns, and cells. Well what happens when we import these files into R? What do we have to think about once we get there?</a:t>
             </a:r>
           </a:p>
@@ -564,6 +563,9 @@
       </p:sp>
     </p:spTree>
   </p:cSld>
+  <p:clrMapOvr>
+    <a:masterClrMapping/>
+  </p:clrMapOvr>
 </p:notes>
 </file>
 
@@ -611,11 +613,10 @@
           <a:bodyPr/>
           <a:lstStyle/>
           <a:p>
-            <a:pPr lvl="0" indent="0" marL="0">
+            <a:pPr marL="0" lvl="0" indent="0">
               <a:buNone/>
             </a:pPr>
             <a:r>
-              <a:rPr/>
               <a:t>It may also be a good idea to trim excess white space, which is not done by default… TRUE and FALSE can be denoted with either </a:t>
             </a:r>
             <a:r>
@@ -625,7 +626,6 @@
               <a:t>T</a:t>
             </a:r>
             <a:r>
-              <a:rPr/>
               <a:t> and </a:t>
             </a:r>
             <a:r>
@@ -635,7 +635,6 @@
               <a:t>F</a:t>
             </a:r>
             <a:r>
-              <a:rPr/>
               <a:t> or </a:t>
             </a:r>
             <a:r>
@@ -645,7 +644,6 @@
               <a:t>TRUE</a:t>
             </a:r>
             <a:r>
-              <a:rPr/>
               <a:t> and </a:t>
             </a:r>
             <a:r>
@@ -655,7 +653,6 @@
               <a:t>FALSE</a:t>
             </a:r>
             <a:r>
-              <a:rPr/>
               <a:t>. However, </a:t>
             </a:r>
             <a:r>
@@ -665,7 +662,6 @@
               <a:t>T</a:t>
             </a:r>
             <a:r>
-              <a:rPr/>
               <a:t> and </a:t>
             </a:r>
             <a:r>
@@ -675,7 +671,6 @@
               <a:t>F</a:t>
             </a:r>
             <a:r>
-              <a:rPr/>
               <a:t> as variable names can be overwritten to point to other objects, whereas </a:t>
             </a:r>
             <a:r>
@@ -685,7 +680,6 @@
               <a:t>TRUE</a:t>
             </a:r>
             <a:r>
-              <a:rPr/>
               <a:t> and </a:t>
             </a:r>
             <a:r>
@@ -695,7 +689,6 @@
               <a:t>FALSE</a:t>
             </a:r>
             <a:r>
-              <a:rPr/>
               <a:t> cannot. It is advisable to always use </a:t>
             </a:r>
             <a:r>
@@ -705,7 +698,6 @@
               <a:t>TRUE</a:t>
             </a:r>
             <a:r>
-              <a:rPr/>
               <a:t> and </a:t>
             </a:r>
             <a:r>
@@ -715,63 +707,62 @@
               <a:t>FALSE</a:t>
             </a:r>
             <a:r>
-              <a:rPr/>
               <a:t>.</a:t>
             </a:r>
           </a:p>
           <a:p>
-            <a:pPr lvl="0" indent="0" marL="0">
+            <a:pPr marL="0" lvl="0" indent="0">
               <a:buNone/>
             </a:pPr>
-          </a:p>
-          <a:p>
-            <a:pPr lvl="0" indent="0" marL="0">
+            <a:endParaRPr/>
+          </a:p>
+          <a:p>
+            <a:pPr marL="0" lvl="0" indent="0">
               <a:buNone/>
             </a:pPr>
             <a:r>
-              <a:rPr/>
               <a:t>When importing data, it’s common to encounter inconsistencies — blank cells, placeholder codes like 99, or stray spaces in text columns.</a:t>
             </a:r>
           </a:p>
           <a:p>
-            <a:pPr lvl="0" indent="0" marL="0">
+            <a:pPr marL="0" lvl="0" indent="0">
               <a:buNone/>
             </a:pPr>
-          </a:p>
-          <a:p>
-            <a:pPr lvl="0" indent="0" marL="0">
+            <a:endParaRPr/>
+          </a:p>
+          <a:p>
+            <a:pPr marL="0" lvl="0" indent="0">
               <a:buNone/>
             </a:pPr>
             <a:r>
-              <a:rPr/>
               <a:t>The na.strings argument lets you tell R what should count as missing. Similarly, strip.white = TRUE cleans up text columns automatically.</a:t>
             </a:r>
           </a:p>
           <a:p>
-            <a:pPr lvl="0" indent="0" marL="0">
+            <a:pPr marL="0" lvl="0" indent="0">
               <a:buNone/>
             </a:pPr>
-          </a:p>
-          <a:p>
-            <a:pPr lvl="0" indent="0" marL="0">
+            <a:endParaRPr/>
+          </a:p>
+          <a:p>
+            <a:pPr marL="0" lvl="0" indent="0">
               <a:buNone/>
             </a:pPr>
             <a:r>
-              <a:rPr/>
               <a:t>Also, some files (especially machine-generated or exported from older systems) may lack a header row; header = FALSE helps handle those.</a:t>
             </a:r>
           </a:p>
           <a:p>
-            <a:pPr lvl="0" indent="0" marL="0">
+            <a:pPr marL="0" lvl="0" indent="0">
               <a:buNone/>
             </a:pPr>
-          </a:p>
-          <a:p>
-            <a:pPr lvl="0" indent="0" marL="0">
+            <a:endParaRPr/>
+          </a:p>
+          <a:p>
+            <a:pPr marL="0" lvl="0" indent="0">
               <a:buNone/>
             </a:pPr>
             <a:r>
-              <a:rPr/>
               <a:t>Additional options and their defaults can be found with </a:t>
             </a:r>
             <a:r>
@@ -781,7 +772,6 @@
               <a:t>?read.table()</a:t>
             </a:r>
             <a:r>
-              <a:rPr/>
               <a:t>.</a:t>
             </a:r>
           </a:p>
@@ -812,6 +802,9 @@
       </p:sp>
     </p:spTree>
   </p:cSld>
+  <p:clrMapOvr>
+    <a:masterClrMapping/>
+  </p:clrMapOvr>
 </p:notes>
 </file>
 
@@ -859,7 +852,7 @@
           <a:bodyPr/>
           <a:lstStyle/>
           <a:p>
-            <a:pPr lvl="0" indent="0" marL="0">
+            <a:pPr marL="0" lvl="0" indent="0">
               <a:buNone/>
             </a:pPr>
             <a:r>
@@ -869,7 +862,6 @@
               <a:t>read.csv()</a:t>
             </a:r>
             <a:r>
-              <a:rPr/>
               <a:t> and </a:t>
             </a:r>
             <a:r>
@@ -879,7 +871,6 @@
               <a:t>read_csv()</a:t>
             </a:r>
             <a:r>
-              <a:rPr/>
               <a:t> are very similar. </a:t>
             </a:r>
             <a:r>
@@ -889,21 +880,20 @@
               <a:t>read_csv()</a:t>
             </a:r>
             <a:r>
-              <a:rPr/>
               <a:t> is ostensibly faster, it also loads data into a tibble as opposed to a data frame, and has more user friendly defaults. It does, however, require loading additional packages.</a:t>
             </a:r>
           </a:p>
           <a:p>
-            <a:pPr lvl="0" indent="0" marL="0">
+            <a:pPr marL="0" lvl="0" indent="0">
               <a:buNone/>
             </a:pPr>
-          </a:p>
-          <a:p>
-            <a:pPr lvl="0" indent="0" marL="0">
+            <a:endParaRPr/>
+          </a:p>
+          <a:p>
+            <a:pPr marL="0" lvl="0" indent="0">
               <a:buNone/>
             </a:pPr>
             <a:r>
-              <a:rPr/>
               <a:t>As with </a:t>
             </a:r>
             <a:r>
@@ -913,7 +903,6 @@
               <a:t>read.csv()</a:t>
             </a:r>
             <a:r>
-              <a:rPr/>
               <a:t> and </a:t>
             </a:r>
             <a:r>
@@ -923,7 +912,6 @@
               <a:t>read.delim</a:t>
             </a:r>
             <a:r>
-              <a:rPr/>
               <a:t>, </a:t>
             </a:r>
             <a:r>
@@ -933,7 +921,6 @@
               <a:t>read_csv()</a:t>
             </a:r>
             <a:r>
-              <a:rPr/>
               <a:t> and </a:t>
             </a:r>
             <a:r>
@@ -943,7 +930,6 @@
               <a:t>read_tsv()</a:t>
             </a:r>
             <a:r>
-              <a:rPr/>
               <a:t> – for tab separated values – are wrappers on </a:t>
             </a:r>
             <a:r>
@@ -953,17 +939,17 @@
               <a:t>read_delim()</a:t>
             </a:r>
             <a:r>
-              <a:rPr/>
               <a:t> that is more flexible.</a:t>
             </a:r>
           </a:p>
           <a:p>
-            <a:pPr lvl="0" indent="0" marL="0">
+            <a:pPr marL="0" lvl="0" indent="0">
               <a:buNone/>
             </a:pPr>
-          </a:p>
-          <a:p>
-            <a:pPr lvl="0" indent="0" marL="0">
+            <a:endParaRPr/>
+          </a:p>
+          <a:p>
+            <a:pPr marL="0" lvl="0" indent="0">
               <a:buNone/>
             </a:pPr>
             <a:r>
@@ -973,7 +959,6 @@
               <a:t>read_csv()</a:t>
             </a:r>
             <a:r>
-              <a:rPr/>
               <a:t> assumes the file has a header, it trims white space by default, and that missing data are either blank cells or contain the character </a:t>
             </a:r>
             <a:r>
@@ -983,7 +968,6 @@
               <a:t>NA</a:t>
             </a:r>
             <a:r>
-              <a:rPr/>
               <a:t>. To adjust these, use the arguments </a:t>
             </a:r>
             <a:r>
@@ -993,7 +977,6 @@
               <a:t>col_names = FALSE</a:t>
             </a:r>
             <a:r>
-              <a:rPr/>
               <a:t>, </a:t>
             </a:r>
             <a:r>
@@ -1003,7 +986,6 @@
               <a:t>na = na_values</a:t>
             </a:r>
             <a:r>
-              <a:rPr/>
               <a:t>, </a:t>
             </a:r>
             <a:r>
@@ -1013,7 +995,6 @@
               <a:t>trim_ws = FALSE</a:t>
             </a:r>
             <a:r>
-              <a:rPr/>
               <a:t>.</a:t>
             </a:r>
           </a:p>
@@ -1044,6 +1025,9 @@
       </p:sp>
     </p:spTree>
   </p:cSld>
+  <p:clrMapOvr>
+    <a:masterClrMapping/>
+  </p:clrMapOvr>
 </p:notes>
 </file>
 
@@ -1091,11 +1075,10 @@
           <a:bodyPr/>
           <a:lstStyle/>
           <a:p>
-            <a:pPr lvl="0" indent="0" marL="0">
+            <a:pPr marL="0" lvl="0" indent="0">
               <a:buNone/>
             </a:pPr>
             <a:r>
-              <a:rPr/>
               <a:t>Base R does not include a package for loading in Excel files. For this we’ll use the tidyverse package </a:t>
             </a:r>
             <a:r>
@@ -1105,7 +1088,6 @@
               <a:t>readxl</a:t>
             </a:r>
             <a:r>
-              <a:rPr/>
               <a:t>, which can read both legacy </a:t>
             </a:r>
             <a:r>
@@ -1115,7 +1097,6 @@
               <a:t>xls</a:t>
             </a:r>
             <a:r>
-              <a:rPr/>
               <a:t> as well as more recent </a:t>
             </a:r>
             <a:r>
@@ -1125,7 +1106,6 @@
               <a:t>xlsx</a:t>
             </a:r>
             <a:r>
-              <a:rPr/>
               <a:t> files. This is tidyverse, and so </a:t>
             </a:r>
             <a:r>
@@ -1135,7 +1115,6 @@
               <a:t>read_excel()</a:t>
             </a:r>
             <a:r>
-              <a:rPr/>
               <a:t> loads a tibble object. If you need or want a data frame, you’ll need to adjust for that…</a:t>
             </a:r>
           </a:p>
@@ -1166,6 +1145,9 @@
       </p:sp>
     </p:spTree>
   </p:cSld>
+  <p:clrMapOvr>
+    <a:masterClrMapping/>
+  </p:clrMapOvr>
 </p:notes>
 </file>
 
@@ -1213,11 +1195,10 @@
           <a:bodyPr/>
           <a:lstStyle/>
           <a:p>
-            <a:pPr lvl="0" indent="0" marL="0">
+            <a:pPr marL="0" lvl="0" indent="0">
               <a:buNone/>
             </a:pPr>
             <a:r>
-              <a:rPr/>
               <a:t>You can specify specific sheets and ranges with the </a:t>
             </a:r>
             <a:r>
@@ -1227,7 +1208,6 @@
               <a:t>sheet</a:t>
             </a:r>
             <a:r>
-              <a:rPr/>
               <a:t> and </a:t>
             </a:r>
             <a:r>
@@ -1237,7 +1217,6 @@
               <a:t>range</a:t>
             </a:r>
             <a:r>
-              <a:rPr/>
               <a:t> arguments…Additional options and their defaults can be found with </a:t>
             </a:r>
             <a:r>
@@ -1247,7 +1226,6 @@
               <a:t>?readxl</a:t>
             </a:r>
             <a:r>
-              <a:rPr/>
               <a:t> or by visiting https://readxl.tidyverse.org/.</a:t>
             </a:r>
           </a:p>
@@ -1278,6 +1256,9 @@
       </p:sp>
     </p:spTree>
   </p:cSld>
+  <p:clrMapOvr>
+    <a:masterClrMapping/>
+  </p:clrMapOvr>
 </p:notes>
 </file>
 
@@ -1325,11 +1306,10 @@
           <a:bodyPr/>
           <a:lstStyle/>
           <a:p>
-            <a:pPr lvl="0" indent="0" marL="0">
+            <a:pPr marL="0" lvl="0" indent="0">
               <a:buNone/>
             </a:pPr>
             <a:r>
-              <a:rPr/>
               <a:t>The r-package </a:t>
             </a:r>
             <a:r>
@@ -1339,7 +1319,6 @@
               <a:t>purrr</a:t>
             </a:r>
             <a:r>
-              <a:rPr/>
               <a:t> within the package-ecosystem </a:t>
             </a:r>
             <a:r>
@@ -1349,7 +1328,6 @@
               <a:t>tidyverse</a:t>
             </a:r>
             <a:r>
-              <a:rPr/>
               <a:t> is a great tool for functional-programming like the r-package </a:t>
             </a:r>
             <a:r>
@@ -1359,7 +1337,6 @@
               <a:t>dplyr</a:t>
             </a:r>
             <a:r>
-              <a:rPr/>
               <a:t>. Functional programming treats functions (like actual data–think data frames and such) like data to be manipulated. This programming doctrine focuses on reproducilibilty and clarity without a mucking up environments with a lot of unnecessary objects.</a:t>
             </a:r>
           </a:p>
@@ -1390,6 +1367,9 @@
       </p:sp>
     </p:spTree>
   </p:cSld>
+  <p:clrMapOvr>
+    <a:masterClrMapping/>
+  </p:clrMapOvr>
 </p:notes>
 </file>
 
@@ -1437,11 +1417,10 @@
           <a:bodyPr/>
           <a:lstStyle/>
           <a:p>
-            <a:pPr lvl="0" indent="0" marL="0">
+            <a:pPr marL="0" lvl="0" indent="0">
               <a:buNone/>
             </a:pPr>
             <a:r>
-              <a:rPr/>
               <a:t>Now what happens when we call the function </a:t>
             </a:r>
             <a:r>
@@ -1451,7 +1430,6 @@
               <a:t>glimpse()</a:t>
             </a:r>
             <a:r>
-              <a:rPr/>
               <a:t> (also from the tidyverse). This gives a nice, clean graphical representation of what is in our object. Like</a:t>
             </a:r>
           </a:p>
@@ -1482,6 +1460,9 @@
       </p:sp>
     </p:spTree>
   </p:cSld>
+  <p:clrMapOvr>
+    <a:masterClrMapping/>
+  </p:clrMapOvr>
 </p:notes>
 </file>
 
@@ -1529,7 +1510,7 @@
           <a:bodyPr/>
           <a:lstStyle/>
           <a:p>
-            <a:pPr lvl="0" indent="0" marL="0">
+            <a:pPr marL="0" lvl="0" indent="0">
               <a:buNone/>
             </a:pPr>
             <a:r>
@@ -1539,7 +1520,6 @@
               <a:t>str()</a:t>
             </a:r>
             <a:r>
-              <a:rPr/>
               <a:t> is a handy function like </a:t>
             </a:r>
             <a:r>
@@ -1549,7 +1529,6 @@
               <a:t>glimpse()</a:t>
             </a:r>
             <a:r>
-              <a:rPr/>
               <a:t> from dplyr which can give you a quick overview of the </a:t>
             </a:r>
             <a:r>
@@ -1557,7 +1536,6 @@
               <a:t>object</a:t>
             </a:r>
             <a:r>
-              <a:rPr/>
               <a:t> that you’re working with. The main differences between the two are that </a:t>
             </a:r>
             <a:r>
@@ -1567,7 +1545,6 @@
               <a:t>glimpse()</a:t>
             </a:r>
             <a:r>
-              <a:rPr/>
               <a:t> requires the </a:t>
             </a:r>
             <a:r>
@@ -1577,7 +1554,6 @@
               <a:t>dplyr</a:t>
             </a:r>
             <a:r>
-              <a:rPr/>
               <a:t> package and </a:t>
             </a:r>
             <a:r>
@@ -1587,7 +1563,6 @@
               <a:t>str()</a:t>
             </a:r>
             <a:r>
-              <a:rPr/>
               <a:t> is just base R. However, </a:t>
             </a:r>
             <a:r>
@@ -1597,7 +1572,6 @@
               <a:t>glimpse()</a:t>
             </a:r>
             <a:r>
-              <a:rPr/>
               <a:t> is noted for giving nicer readout for especially wide data.</a:t>
             </a:r>
           </a:p>
@@ -1628,6 +1602,9 @@
       </p:sp>
     </p:spTree>
   </p:cSld>
+  <p:clrMapOvr>
+    <a:masterClrMapping/>
+  </p:clrMapOvr>
 </p:notes>
 </file>
 
@@ -1675,11 +1652,10 @@
           <a:bodyPr/>
           <a:lstStyle/>
           <a:p>
-            <a:pPr lvl="0" indent="0" marL="0">
+            <a:pPr marL="0" lvl="0" indent="0">
               <a:buNone/>
             </a:pPr>
             <a:r>
-              <a:rPr/>
               <a:t>One of my favorite data manipulation functions in base </a:t>
             </a:r>
             <a:r>
@@ -1689,7 +1665,6 @@
               <a:t>R</a:t>
             </a:r>
             <a:r>
-              <a:rPr/>
               <a:t> is the names function. People who work with data a lot spend a lot of time thinking about what their data should be named and so names are often quite descriptive. So if the output of </a:t>
             </a:r>
             <a:r>
@@ -1699,7 +1674,6 @@
               <a:t>str</a:t>
             </a:r>
             <a:r>
-              <a:rPr/>
               <a:t> or </a:t>
             </a:r>
             <a:r>
@@ -1709,7 +1683,6 @@
               <a:t>glimpse</a:t>
             </a:r>
             <a:r>
-              <a:rPr/>
               <a:t> is a bit scary (I often think it is) then names is a good first step to understanding your data.</a:t>
             </a:r>
           </a:p>
@@ -1740,6 +1713,9 @@
       </p:sp>
     </p:spTree>
   </p:cSld>
+  <p:clrMapOvr>
+    <a:masterClrMapping/>
+  </p:clrMapOvr>
 </p:notes>
 </file>
 
@@ -1787,11 +1763,10 @@
           <a:bodyPr/>
           <a:lstStyle/>
           <a:p>
-            <a:pPr lvl="0" indent="0" marL="0">
+            <a:pPr marL="0" lvl="0" indent="0">
               <a:buNone/>
             </a:pPr>
             <a:r>
-              <a:rPr/>
               <a:t>To demonstrate this concept I will again use the </a:t>
             </a:r>
             <a:r>
@@ -1801,7 +1776,6 @@
               <a:t>gapminder</a:t>
             </a:r>
             <a:r>
-              <a:rPr/>
               <a:t> dataset. These data are in long-format. These are </a:t>
             </a:r>
             <a:r>
@@ -1811,7 +1785,6 @@
               <a:t>longitudinal</a:t>
             </a:r>
             <a:r>
-              <a:rPr/>
               <a:t> data of demographic and economic metrics by country. You can tell these are long-format data because each observation or </a:t>
             </a:r>
             <a:r>
@@ -1821,7 +1794,6 @@
               <a:t>country-year</a:t>
             </a:r>
             <a:r>
-              <a:rPr/>
               <a:t> gets it’s own cell.</a:t>
             </a:r>
           </a:p>
@@ -1852,6 +1824,9 @@
       </p:sp>
     </p:spTree>
   </p:cSld>
+  <p:clrMapOvr>
+    <a:masterClrMapping/>
+  </p:clrMapOvr>
 </p:notes>
 </file>
 
@@ -1899,11 +1874,10 @@
           <a:bodyPr/>
           <a:lstStyle/>
           <a:p>
-            <a:pPr lvl="0" indent="0" marL="0">
+            <a:pPr marL="0" lvl="0" indent="0">
               <a:buNone/>
             </a:pPr>
             <a:r>
-              <a:rPr/>
               <a:t>In </a:t>
             </a:r>
             <a:r>
@@ -1913,7 +1887,6 @@
               <a:t>wide format</a:t>
             </a:r>
             <a:r>
-              <a:rPr/>
               <a:t> data each subject gets it’s own row or cell. In our longitudinal dataset above each country is a case. Thankfully, R lets us very easily shift our perspective from long to wide format data and back again with a few quick, painless commands. Above I have rearranged the dataset so that each case (country) gets its own row and each year_measurement gets it’s own column in that row. Above I am also previewing the next lesson which is </a:t>
             </a:r>
             <a:r>
@@ -1923,7 +1896,6 @@
               <a:t>Exploring Data</a:t>
             </a:r>
             <a:r>
-              <a:rPr/>
               <a:t>. I am introducing you to some very common and </a:t>
             </a:r>
             <a:r>
@@ -1931,7 +1903,6 @@
               <a:t>very</a:t>
             </a:r>
             <a:r>
-              <a:rPr/>
               <a:t> useful </a:t>
             </a:r>
             <a:r>
@@ -1939,7 +1910,6 @@
               <a:t>dplyr</a:t>
             </a:r>
             <a:r>
-              <a:rPr/>
               <a:t> syntax. The </a:t>
             </a:r>
             <a:r>
@@ -1949,7 +1919,6 @@
               <a:t>%&gt;%</a:t>
             </a:r>
             <a:r>
-              <a:rPr/>
               <a:t> operator is standard practice. In plain english the direct translation of the </a:t>
             </a:r>
             <a:r>
@@ -1959,7 +1928,6 @@
               <a:t>%&gt;%</a:t>
             </a:r>
             <a:r>
-              <a:rPr/>
               <a:t> operator is </a:t>
             </a:r>
             <a:r>
@@ -1969,7 +1937,6 @@
               <a:t>then</a:t>
             </a:r>
             <a:r>
-              <a:rPr/>
               <a:t>. So above I am saying pivot my data into wide format on the year axis, giving each column the name from the year and the value from life expectancy, population, and gdp per capita. </a:t>
             </a:r>
             <a:r>
@@ -1979,7 +1946,6 @@
               <a:t>Then</a:t>
             </a:r>
             <a:r>
-              <a:rPr/>
               <a:t> give me only the first 2 rows of that table (that’s what the command </a:t>
             </a:r>
             <a:r>
@@ -1989,7 +1955,6 @@
               <a:t>head(n)</a:t>
             </a:r>
             <a:r>
-              <a:rPr/>
               <a:t>) does. </a:t>
             </a:r>
             <a:r>
@@ -1999,7 +1964,6 @@
               <a:t>Then</a:t>
             </a:r>
             <a:r>
-              <a:rPr/>
               <a:t> give me only the first 5 columns with the </a:t>
             </a:r>
             <a:r>
@@ -2009,7 +1973,6 @@
               <a:t>select(1:5)</a:t>
             </a:r>
             <a:r>
-              <a:rPr/>
               <a:t> command.</a:t>
             </a:r>
           </a:p>
@@ -2040,6 +2003,9 @@
       </p:sp>
     </p:spTree>
   </p:cSld>
+  <p:clrMapOvr>
+    <a:masterClrMapping/>
+  </p:clrMapOvr>
 </p:notes>
 </file>
 
@@ -2087,11 +2053,10 @@
           <a:bodyPr/>
           <a:lstStyle/>
           <a:p>
-            <a:pPr lvl="0" indent="0" marL="0">
+            <a:pPr marL="0" lvl="0" indent="0">
               <a:buNone/>
             </a:pPr>
             <a:r>
-              <a:rPr/>
               <a:t>One of the most confusing aspects of learning your first programming langauge is that data are no longer CSVs, or Excel files. True, that’s where the data are still stored in your desktop, but once you </a:t>
             </a:r>
             <a:r>
@@ -2099,7 +2064,6 @@
               <a:t>import</a:t>
             </a:r>
             <a:r>
-              <a:rPr/>
               <a:t> data they become </a:t>
             </a:r>
             <a:r>
@@ -2107,7 +2071,6 @@
               <a:t>objects</a:t>
             </a:r>
             <a:r>
-              <a:rPr/>
               <a:t> (stored in data structures) that you can manipulate.</a:t>
             </a:r>
           </a:p>
@@ -2138,6 +2101,9 @@
       </p:sp>
     </p:spTree>
   </p:cSld>
+  <p:clrMapOvr>
+    <a:masterClrMapping/>
+  </p:clrMapOvr>
 </p:notes>
 </file>
 
@@ -2185,11 +2151,10 @@
           <a:bodyPr/>
           <a:lstStyle/>
           <a:p>
-            <a:pPr lvl="0" indent="0" marL="0">
+            <a:pPr marL="0" lvl="0" indent="0">
               <a:buNone/>
             </a:pPr>
             <a:r>
-              <a:rPr/>
               <a:t>The answer is nothing. Once you begin manipulating data in R, you would need to first save that those edits to the file using a call like </a:t>
             </a:r>
             <a:r>
@@ -2199,7 +2164,6 @@
               <a:t>write.csv</a:t>
             </a:r>
             <a:r>
-              <a:rPr/>
               <a:t> to the original file (not recommended). Otherwise all you are doing is editing the </a:t>
             </a:r>
             <a:r>
@@ -2207,7 +2171,6 @@
               <a:t>object</a:t>
             </a:r>
             <a:r>
-              <a:rPr/>
               <a:t> in R. This leads into how R knows where the file lives. How does R know where the csv tha tyou want ot manipulate lives?</a:t>
             </a:r>
           </a:p>
@@ -2238,6 +2201,9 @@
       </p:sp>
     </p:spTree>
   </p:cSld>
+  <p:clrMapOvr>
+    <a:masterClrMapping/>
+  </p:clrMapOvr>
 </p:notes>
 </file>
 
@@ -2285,11 +2251,10 @@
           <a:bodyPr/>
           <a:lstStyle/>
           <a:p>
-            <a:pPr lvl="0" indent="0" marL="0">
+            <a:pPr marL="0" lvl="0" indent="0">
               <a:buNone/>
             </a:pPr>
             <a:r>
-              <a:rPr/>
               <a:t>A common issue I ran into when I used to TA for statistics and computer science classes was the notion of the file structure or directory structure. People who work with computers will often use the terms </a:t>
             </a:r>
             <a:r>
@@ -2299,7 +2264,6 @@
               <a:t>file</a:t>
             </a:r>
             <a:r>
-              <a:rPr/>
               <a:t> and </a:t>
             </a:r>
             <a:r>
@@ -2309,7 +2273,6 @@
               <a:t>directory</a:t>
             </a:r>
             <a:r>
-              <a:rPr/>
               <a:t> interchangeably. If you understand file structure and directory structure than many common problems that people who are new to coding fall away.</a:t>
             </a:r>
           </a:p>
@@ -2340,6 +2303,9 @@
       </p:sp>
     </p:spTree>
   </p:cSld>
+  <p:clrMapOvr>
+    <a:masterClrMapping/>
+  </p:clrMapOvr>
 </p:notes>
 </file>
 
@@ -2387,11 +2353,10 @@
           <a:bodyPr/>
           <a:lstStyle/>
           <a:p>
-            <a:pPr lvl="0" indent="0" marL="0">
+            <a:pPr marL="0" lvl="0" indent="0">
               <a:buNone/>
             </a:pPr>
             <a:r>
-              <a:rPr/>
               <a:t>The current working directory can be seen using the </a:t>
             </a:r>
             <a:r>
@@ -2401,7 +2366,6 @@
               <a:t>getwd()</a:t>
             </a:r>
             <a:r>
-              <a:rPr/>
               <a:t> command. Similarly we can manually set the working directory by using the </a:t>
             </a:r>
             <a:r>
@@ -2411,7 +2375,6 @@
               <a:t>setwd()</a:t>
             </a:r>
             <a:r>
-              <a:rPr/>
               <a:t> command. However this is not recommended as it requires us to set relative versus absolute paths.</a:t>
             </a:r>
           </a:p>
@@ -2442,6 +2405,9 @@
       </p:sp>
     </p:spTree>
   </p:cSld>
+  <p:clrMapOvr>
+    <a:masterClrMapping/>
+  </p:clrMapOvr>
 </p:notes>
 </file>
 
@@ -2489,11 +2455,10 @@
           <a:bodyPr/>
           <a:lstStyle/>
           <a:p>
-            <a:pPr lvl="0" indent="0" marL="0">
+            <a:pPr marL="0" lvl="0" indent="0">
               <a:buNone/>
             </a:pPr>
             <a:r>
-              <a:rPr/>
               <a:t>So I have included a GIF on how to create a new RStudio Project. When you open the .Rproj file, RStudio automatically sets the working directory to that project folder. No more setwd() headaches or “file not found” errors. All your scripts, datasets, and figures live inside one consistent structure. Makes sharing and collaboration much easier because it works seamlessly with major version control softwares. Don’t worry if you don’t know what that is yet, I will be running a whole series on Git and GitHub later on in the semester. Projects also remember your R environment, active tabs, and even console history when you reopen them. You can easily link a project to Git for version control — every project is its own repository. For teaching or research, it ensures every student or collaborator starts from the same structure.</a:t>
             </a:r>
           </a:p>
@@ -2524,6 +2489,9 @@
       </p:sp>
     </p:spTree>
   </p:cSld>
+  <p:clrMapOvr>
+    <a:masterClrMapping/>
+  </p:clrMapOvr>
 </p:notes>
 </file>
 
@@ -2571,11 +2539,10 @@
           <a:bodyPr/>
           <a:lstStyle/>
           <a:p>
-            <a:pPr lvl="0" indent="0" marL="0">
+            <a:pPr marL="0" lvl="0" indent="0">
               <a:buNone/>
             </a:pPr>
             <a:r>
-              <a:rPr/>
               <a:t>The reason why you </a:t>
             </a:r>
             <a:r>
@@ -2583,7 +2550,6 @@
               <a:t>do not</a:t>
             </a:r>
             <a:r>
-              <a:rPr/>
               <a:t> want to work with absolute filepaths is that this will absolutely break if you try to work on this codebase on another computer. For example if another person wants to download your code and use it (say you publish with some code) and the whole project lives in a folder called </a:t>
             </a:r>
             <a:r>
@@ -2593,7 +2559,6 @@
               <a:t>Workshops</a:t>
             </a:r>
             <a:r>
-              <a:rPr/>
               <a:t> then the whole file structure before </a:t>
             </a:r>
             <a:r>
@@ -2603,7 +2568,6 @@
               <a:t>Workshops</a:t>
             </a:r>
             <a:r>
-              <a:rPr/>
               <a:t> will in all likelihood not exist. Instead we should work with </a:t>
             </a:r>
             <a:r>
@@ -2613,7 +2577,6 @@
               <a:t>relative</a:t>
             </a:r>
             <a:r>
-              <a:rPr/>
               <a:t> filepaths whenever possible (and it’s almost always possible in my experience). To specify a </a:t>
             </a:r>
             <a:r>
@@ -2621,7 +2584,6 @@
               <a:t>relative</a:t>
             </a:r>
             <a:r>
-              <a:rPr/>
               <a:t> filepath we can simply use the </a:t>
             </a:r>
             <a:r>
@@ -2631,7 +2593,6 @@
               <a:t>.</a:t>
             </a:r>
             <a:r>
-              <a:rPr/>
               <a:t> operator within our file path string. This operator can be used any number of times to specify higher levels of the file structure. For example, lets say we are working in the </a:t>
             </a:r>
             <a:r>
@@ -2641,7 +2602,6 @@
               <a:t>workshops/guides</a:t>
             </a:r>
             <a:r>
-              <a:rPr/>
               <a:t> then to specify the </a:t>
             </a:r>
             <a:r>
@@ -2651,7 +2611,6 @@
               <a:t>assets/gifs</a:t>
             </a:r>
             <a:r>
-              <a:rPr/>
               <a:t> directory we would need to say </a:t>
             </a:r>
             <a:r>
@@ -2661,7 +2620,6 @@
               <a:t>../assets/gifs</a:t>
             </a:r>
             <a:r>
-              <a:rPr/>
               <a:t>.</a:t>
             </a:r>
           </a:p>
@@ -2692,6 +2650,9 @@
       </p:sp>
     </p:spTree>
   </p:cSld>
+  <p:clrMapOvr>
+    <a:masterClrMapping/>
+  </p:clrMapOvr>
 </p:notes>
 </file>
 
@@ -2739,7 +2700,7 @@
           <a:bodyPr/>
           <a:lstStyle/>
           <a:p>
-            <a:pPr lvl="0" indent="0" marL="0">
+            <a:pPr marL="0" lvl="0" indent="0">
               <a:buNone/>
             </a:pPr>
             <a:r>
@@ -2749,7 +2710,6 @@
               <a:t>read.table()</a:t>
             </a:r>
             <a:r>
-              <a:rPr/>
               <a:t> is R’s primary means of importing data, allowing the user to specify a variety of options. </a:t>
             </a:r>
             <a:r>
@@ -2759,7 +2719,6 @@
               <a:t>read.csv()</a:t>
             </a:r>
             <a:r>
-              <a:rPr/>
               <a:t> and </a:t>
             </a:r>
             <a:r>
@@ -2769,7 +2728,6 @@
               <a:t>read.delim()</a:t>
             </a:r>
             <a:r>
-              <a:rPr/>
               <a:t> are two wrappers on </a:t>
             </a:r>
             <a:r>
@@ -2779,21 +2737,20 @@
               <a:t>read.table()</a:t>
             </a:r>
             <a:r>
-              <a:rPr/>
               <a:t> to simplify the import of comma separated and tab delimited files; the only difference between the two is the delimiter that they expect.</a:t>
             </a:r>
           </a:p>
           <a:p>
-            <a:pPr lvl="0" indent="0" marL="0">
+            <a:pPr marL="0" lvl="0" indent="0">
               <a:buNone/>
             </a:pPr>
-          </a:p>
-          <a:p>
-            <a:pPr lvl="0" indent="0" marL="0">
+            <a:endParaRPr/>
+          </a:p>
+          <a:p>
+            <a:pPr marL="0" lvl="0" indent="0">
               <a:buNone/>
             </a:pPr>
             <a:r>
-              <a:rPr/>
               <a:t>Thankfully, you can fix this with a few extra parameters. However, there are smarter, less clumsy options out there.</a:t>
             </a:r>
           </a:p>
@@ -2824,6 +2781,9 @@
       </p:sp>
     </p:spTree>
   </p:cSld>
+  <p:clrMapOvr>
+    <a:masterClrMapping/>
+  </p:clrMapOvr>
 </p:notes>
 </file>
 
@@ -2871,11 +2831,10 @@
           <a:bodyPr/>
           <a:lstStyle/>
           <a:p>
-            <a:pPr lvl="0" indent="0" marL="0">
+            <a:pPr marL="0" lvl="0" indent="0">
               <a:buNone/>
             </a:pPr>
             <a:r>
-              <a:rPr/>
               <a:t>using </a:t>
             </a:r>
             <a:r>
@@ -2885,7 +2844,6 @@
               <a:t>read.csv()</a:t>
             </a:r>
             <a:r>
-              <a:rPr/>
               <a:t> is as simple as specifying a directory or url from which to import data…By default, it assumes your file has a header and that any blank values contain the characters </a:t>
             </a:r>
             <a:r>
@@ -2895,7 +2853,6 @@
               <a:t>NA</a:t>
             </a:r>
             <a:r>
-              <a:rPr/>
               <a:t>. Depending on our data source, however, we may need to adjust these parameters…This is also Base R.</a:t>
             </a:r>
           </a:p>
@@ -2926,6 +2883,9 @@
       </p:sp>
     </p:spTree>
   </p:cSld>
+  <p:clrMapOvr>
+    <a:masterClrMapping/>
+  </p:clrMapOvr>
 </p:notes>
 </file>
 
@@ -3042,7 +3002,7 @@
           <a:p>
             <a:fld id="{2C5A4276-9034-4F68-8B2D-8D580C8476C4}" type="datetimeFigureOut">
               <a:rPr lang="en-US" smtClean="0"/>
-              <a:t>10/16/2025</a:t>
+              <a:t>10/20/2025</a:t>
             </a:fld>
             <a:endParaRPr lang="en-US"/>
           </a:p>
@@ -3269,7 +3229,7 @@
           <a:p>
             <a:fld id="{2C5A4276-9034-4F68-8B2D-8D580C8476C4}" type="datetimeFigureOut">
               <a:rPr lang="en-US" smtClean="0"/>
-              <a:t>10/16/2025</a:t>
+              <a:t>10/20/2025</a:t>
             </a:fld>
             <a:endParaRPr lang="en-US"/>
           </a:p>
@@ -3525,7 +3485,7 @@
           <a:p>
             <a:fld id="{2C5A4276-9034-4F68-8B2D-8D580C8476C4}" type="datetimeFigureOut">
               <a:rPr lang="en-US" smtClean="0"/>
-              <a:t>10/16/2025</a:t>
+              <a:t>10/20/2025</a:t>
             </a:fld>
             <a:endParaRPr lang="en-US"/>
           </a:p>
@@ -3826,7 +3786,7 @@
           <a:p>
             <a:fld id="{2C5A4276-9034-4F68-8B2D-8D580C8476C4}" type="datetimeFigureOut">
               <a:rPr lang="en-US" smtClean="0"/>
-              <a:t>10/16/2025</a:t>
+              <a:t>10/20/2025</a:t>
             </a:fld>
             <a:endParaRPr lang="en-US"/>
           </a:p>
@@ -4269,7 +4229,7 @@
           <a:p>
             <a:fld id="{2C5A4276-9034-4F68-8B2D-8D580C8476C4}" type="datetimeFigureOut">
               <a:rPr lang="en-US" smtClean="0"/>
-              <a:t>10/16/2025</a:t>
+              <a:t>10/20/2025</a:t>
             </a:fld>
             <a:endParaRPr lang="en-US"/>
           </a:p>
@@ -4544,7 +4504,7 @@
           <a:p>
             <a:fld id="{2C5A4276-9034-4F68-8B2D-8D580C8476C4}" type="datetimeFigureOut">
               <a:rPr lang="en-US" smtClean="0"/>
-              <a:t>10/16/2025</a:t>
+              <a:t>10/20/2025</a:t>
             </a:fld>
             <a:endParaRPr lang="en-US"/>
           </a:p>
@@ -4923,7 +4883,7 @@
           <a:p>
             <a:fld id="{2C5A4276-9034-4F68-8B2D-8D580C8476C4}" type="datetimeFigureOut">
               <a:rPr lang="en-US" smtClean="0"/>
-              <a:t>10/16/2025</a:t>
+              <a:t>10/20/2025</a:t>
             </a:fld>
             <a:endParaRPr lang="en-US"/>
           </a:p>
@@ -5041,7 +5001,7 @@
           <a:p>
             <a:fld id="{2C5A4276-9034-4F68-8B2D-8D580C8476C4}" type="datetimeFigureOut">
               <a:rPr lang="en-US" smtClean="0"/>
-              <a:t>10/16/2025</a:t>
+              <a:t>10/20/2025</a:t>
             </a:fld>
             <a:endParaRPr lang="en-US"/>
           </a:p>
@@ -5212,7 +5172,7 @@
           <a:p>
             <a:fld id="{2C5A4276-9034-4F68-8B2D-8D580C8476C4}" type="datetimeFigureOut">
               <a:rPr lang="en-US" smtClean="0"/>
-              <a:t>10/16/2025</a:t>
+              <a:t>10/20/2025</a:t>
             </a:fld>
             <a:endParaRPr lang="en-US"/>
           </a:p>
@@ -5566,7 +5526,7 @@
           <a:p>
             <a:fld id="{2C5A4276-9034-4F68-8B2D-8D580C8476C4}" type="datetimeFigureOut">
               <a:rPr lang="en-US" smtClean="0"/>
-              <a:t>10/16/2025</a:t>
+              <a:t>10/20/2025</a:t>
             </a:fld>
             <a:endParaRPr lang="en-US"/>
           </a:p>
@@ -5948,7 +5908,7 @@
           <a:p>
             <a:fld id="{2C5A4276-9034-4F68-8B2D-8D580C8476C4}" type="datetimeFigureOut">
               <a:rPr lang="en-US" smtClean="0"/>
-              <a:t>10/16/2025</a:t>
+              <a:t>10/20/2025</a:t>
             </a:fld>
             <a:endParaRPr lang="en-US"/>
           </a:p>
@@ -6010,7 +5970,7 @@
 </file>
 
 <file path=ppt/slideMasters/slideMaster1.xml><?xml version="1.0" encoding="utf-8"?>
-<p:sldMaster xmlns:a="http://schemas.openxmlformats.org/drawingml/2006/main" xmlns:p="http://schemas.openxmlformats.org/presentationml/2006/main" xmlns:r="http://schemas.openxmlformats.org/officeDocument/2006/relationships">
+<p:sldMaster xmlns:a="http://schemas.openxmlformats.org/drawingml/2006/main" xmlns:r="http://schemas.openxmlformats.org/officeDocument/2006/relationships" xmlns:p="http://schemas.openxmlformats.org/presentationml/2006/main">
   <p:cSld>
     <p:bg>
       <p:bgRef idx="1001">
@@ -6141,7 +6101,7 @@
           </a:prstGeom>
         </p:spPr>
         <p:txBody>
-          <a:bodyPr anchor="b" bIns="45720" lIns="91440" rIns="91440" rtlCol="0" tIns="45720" vert="horz">
+          <a:bodyPr vert="horz" lIns="91440" tIns="45720" rIns="91440" bIns="45720" rtlCol="0" anchor="b">
             <a:normAutofit/>
           </a:bodyPr>
           <a:lstStyle/>
@@ -6150,7 +6110,7 @@
               <a:rPr lang="en-US"/>
               <a:t>Click to edit Master title style</a:t>
             </a:r>
-            <a:endParaRPr dirty="0" lang="en-US"/>
+            <a:endParaRPr lang="en-US" dirty="0"/>
           </a:p>
         </p:txBody>
       </p:sp>
@@ -6161,7 +6121,7 @@
             <a:spLocks noGrp="1"/>
           </p:cNvSpPr>
           <p:nvPr>
-            <p:ph idx="1" type="body"/>
+            <p:ph type="body" idx="1"/>
           </p:nvPr>
         </p:nvSpPr>
         <p:spPr>
@@ -6174,42 +6134,42 @@
           </a:prstGeom>
         </p:spPr>
         <p:txBody>
-          <a:bodyPr bIns="45720" lIns="0" rIns="0" rtlCol="0" tIns="45720" vert="horz">
+          <a:bodyPr vert="horz" lIns="0" tIns="45720" rIns="0" bIns="45720" rtlCol="0">
             <a:normAutofit/>
           </a:bodyPr>
           <a:lstStyle/>
           <a:p>
             <a:pPr lvl="0"/>
             <a:r>
-              <a:rPr dirty="0" lang="en-US"/>
+              <a:rPr lang="en-US" dirty="0"/>
               <a:t>Click to edit Master text styles</a:t>
             </a:r>
           </a:p>
           <a:p>
             <a:pPr lvl="1"/>
             <a:r>
-              <a:rPr dirty="0" lang="en-US"/>
+              <a:rPr lang="en-US" dirty="0"/>
               <a:t>Second level</a:t>
             </a:r>
           </a:p>
           <a:p>
             <a:pPr lvl="2"/>
             <a:r>
-              <a:rPr dirty="0" lang="en-US"/>
+              <a:rPr lang="en-US" dirty="0"/>
               <a:t>Third level</a:t>
             </a:r>
           </a:p>
           <a:p>
             <a:pPr lvl="3"/>
             <a:r>
-              <a:rPr dirty="0" lang="en-US"/>
+              <a:rPr lang="en-US" dirty="0"/>
               <a:t>Fourth level</a:t>
             </a:r>
           </a:p>
           <a:p>
             <a:pPr lvl="4"/>
             <a:r>
-              <a:rPr dirty="0" lang="en-US"/>
+              <a:rPr lang="en-US" dirty="0"/>
               <a:t>Fifth level</a:t>
             </a:r>
           </a:p>
@@ -6222,7 +6182,7 @@
             <a:spLocks noGrp="1"/>
           </p:cNvSpPr>
           <p:nvPr>
-            <p:ph idx="2" sz="half" type="dt"/>
+            <p:ph type="dt" sz="half" idx="2"/>
           </p:nvPr>
         </p:nvSpPr>
         <p:spPr>
@@ -6235,7 +6195,7 @@
           </a:prstGeom>
         </p:spPr>
         <p:txBody>
-          <a:bodyPr anchor="ctr" bIns="45720" lIns="91440" rIns="91440" rtlCol="0" tIns="45720" vert="horz"/>
+          <a:bodyPr vert="horz" lIns="91440" tIns="45720" rIns="91440" bIns="45720" rtlCol="0" anchor="ctr"/>
           <a:lstStyle>
             <a:lvl1pPr algn="l">
               <a:defRPr sz="900">
@@ -6248,7 +6208,7 @@
           <a:p>
             <a:fld id="{2C5A4276-9034-4F68-8B2D-8D580C8476C4}" type="datetimeFigureOut">
               <a:rPr lang="en-US" smtClean="0"/>
-              <a:t>10/16/2025</a:t>
+              <a:t>10/20/2025</a:t>
             </a:fld>
             <a:endParaRPr lang="en-US"/>
           </a:p>
@@ -6261,7 +6221,7 @@
             <a:spLocks noGrp="1"/>
           </p:cNvSpPr>
           <p:nvPr>
-            <p:ph idx="3" sz="quarter" type="ftr"/>
+            <p:ph type="ftr" sz="quarter" idx="3"/>
           </p:nvPr>
         </p:nvSpPr>
         <p:spPr>
@@ -6274,10 +6234,10 @@
           </a:prstGeom>
         </p:spPr>
         <p:txBody>
-          <a:bodyPr anchor="ctr" bIns="45720" lIns="91440" rIns="91440" rtlCol="0" tIns="45720" vert="horz"/>
+          <a:bodyPr vert="horz" lIns="91440" tIns="45720" rIns="91440" bIns="45720" rtlCol="0" anchor="ctr"/>
           <a:lstStyle>
             <a:lvl1pPr algn="ctr">
-              <a:defRPr baseline="0" cap="all" sz="900">
+              <a:defRPr sz="900" cap="all" baseline="0">
                 <a:solidFill>
                   <a:srgbClr val="FFFFFF"/>
                 </a:solidFill>
@@ -6296,7 +6256,7 @@
             <a:spLocks noGrp="1"/>
           </p:cNvSpPr>
           <p:nvPr>
-            <p:ph idx="4" sz="quarter" type="sldNum"/>
+            <p:ph type="sldNum" sz="quarter" idx="4"/>
           </p:nvPr>
         </p:nvSpPr>
         <p:spPr>
@@ -6309,7 +6269,7 @@
           </a:prstGeom>
         </p:spPr>
         <p:txBody>
-          <a:bodyPr anchor="ctr" bIns="45720" lIns="91440" rIns="91440" rtlCol="0" tIns="45720" vert="horz"/>
+          <a:bodyPr vert="horz" lIns="91440" tIns="45720" rIns="91440" bIns="45720" rtlCol="0" anchor="ctr"/>
           <a:lstStyle>
             <a:lvl1pPr algn="r">
               <a:defRPr sz="1050">
@@ -6373,7 +6333,7 @@
       </p:ext>
     </p:extLst>
   </p:cSld>
-  <p:clrMap accent1="accent1" accent2="accent2" accent3="accent3" accent4="accent4" accent5="accent5" accent6="accent6" bg1="lt1" bg2="lt2" folHlink="folHlink" hlink="hlink" tx1="dk1" tx2="dk2"/>
+  <p:clrMap bg1="lt1" tx1="dk1" bg2="lt2" tx2="dk2" accent1="accent1" accent2="accent2" accent3="accent3" accent4="accent4" accent5="accent5" accent6="accent6" hlink="hlink" folHlink="folHlink"/>
   <p:sldLayoutIdLst>
     <p:sldLayoutId id="2147483662" r:id="rId1"/>
     <p:sldLayoutId id="2147483661" r:id="rId2"/>
@@ -6389,7 +6349,7 @@
   </p:sldLayoutIdLst>
   <p:txStyles>
     <p:titleStyle>
-      <a:lvl1pPr algn="l" defTabSz="914400" eaLnBrk="1" hangingPunct="1" latinLnBrk="0" rtl="0">
+      <a:lvl1pPr algn="l" defTabSz="914400" rtl="0" eaLnBrk="1" latinLnBrk="0" hangingPunct="1">
         <a:lnSpc>
           <a:spcPct val="85000"/>
         </a:lnSpc>
@@ -6397,7 +6357,7 @@
           <a:spcPct val="0"/>
         </a:spcBef>
         <a:buNone/>
-        <a:defRPr baseline="0" kern="1200" spc="-50" sz="4800">
+        <a:defRPr sz="4800" kern="1200" spc="-50" baseline="0">
           <a:solidFill>
             <a:schemeClr val="tx1">
               <a:lumMod val="75000"/>
@@ -6411,7 +6371,7 @@
       </a:lvl1pPr>
     </p:titleStyle>
     <p:bodyStyle>
-      <a:lvl1pPr algn="l" defTabSz="914400" eaLnBrk="1" hangingPunct="1" indent="-91440" latinLnBrk="0" marL="91440" rtl="0">
+      <a:lvl1pPr marL="91440" indent="-91440" algn="l" defTabSz="914400" rtl="0" eaLnBrk="1" latinLnBrk="0" hangingPunct="1">
         <a:lnSpc>
           <a:spcPct val="90000"/>
         </a:lnSpc>
@@ -6425,9 +6385,9 @@
           <a:schemeClr val="accent1"/>
         </a:buClr>
         <a:buSzPct val="100000"/>
-        <a:buFont charset="0" panose="020F0502020204030204" pitchFamily="34" typeface="Calibri"/>
+        <a:buFont typeface="Calibri" panose="020F0502020204030204" pitchFamily="34" charset="0"/>
         <a:buChar char=" "/>
-        <a:defRPr kern="1200" sz="2000">
+        <a:defRPr sz="2000" kern="1200">
           <a:solidFill>
             <a:schemeClr val="tx1">
               <a:lumMod val="75000"/>
@@ -6439,7 +6399,7 @@
           <a:cs typeface="+mn-cs"/>
         </a:defRPr>
       </a:lvl1pPr>
-      <a:lvl2pPr algn="l" defTabSz="914400" eaLnBrk="1" hangingPunct="1" indent="-182880" latinLnBrk="0" marL="384048" rtl="0">
+      <a:lvl2pPr marL="384048" indent="-182880" algn="l" defTabSz="914400" rtl="0" eaLnBrk="1" latinLnBrk="0" hangingPunct="1">
         <a:lnSpc>
           <a:spcPct val="90000"/>
         </a:lnSpc>
@@ -6452,9 +6412,9 @@
         <a:buClr>
           <a:schemeClr val="accent1"/>
         </a:buClr>
-        <a:buFont charset="0" pitchFamily="34" typeface="Calibri"/>
+        <a:buFont typeface="Calibri" pitchFamily="34" charset="0"/>
         <a:buChar char="◦"/>
-        <a:defRPr kern="1200" sz="1800">
+        <a:defRPr sz="1800" kern="1200">
           <a:solidFill>
             <a:schemeClr val="tx1">
               <a:lumMod val="75000"/>
@@ -6466,7 +6426,7 @@
           <a:cs typeface="+mn-cs"/>
         </a:defRPr>
       </a:lvl2pPr>
-      <a:lvl3pPr algn="l" defTabSz="914400" eaLnBrk="1" hangingPunct="1" indent="-182880" latinLnBrk="0" marL="566928" rtl="0">
+      <a:lvl3pPr marL="566928" indent="-182880" algn="l" defTabSz="914400" rtl="0" eaLnBrk="1" latinLnBrk="0" hangingPunct="1">
         <a:lnSpc>
           <a:spcPct val="90000"/>
         </a:lnSpc>
@@ -6479,9 +6439,9 @@
         <a:buClr>
           <a:schemeClr val="accent1"/>
         </a:buClr>
-        <a:buFont charset="0" pitchFamily="34" typeface="Calibri"/>
+        <a:buFont typeface="Calibri" pitchFamily="34" charset="0"/>
         <a:buChar char="◦"/>
-        <a:defRPr kern="1200" sz="1400">
+        <a:defRPr sz="1400" kern="1200">
           <a:solidFill>
             <a:schemeClr val="tx1">
               <a:lumMod val="75000"/>
@@ -6493,7 +6453,7 @@
           <a:cs typeface="+mn-cs"/>
         </a:defRPr>
       </a:lvl3pPr>
-      <a:lvl4pPr algn="l" defTabSz="914400" eaLnBrk="1" hangingPunct="1" indent="-182880" latinLnBrk="0" marL="749808" rtl="0">
+      <a:lvl4pPr marL="749808" indent="-182880" algn="l" defTabSz="914400" rtl="0" eaLnBrk="1" latinLnBrk="0" hangingPunct="1">
         <a:lnSpc>
           <a:spcPct val="90000"/>
         </a:lnSpc>
@@ -6506,9 +6466,9 @@
         <a:buClr>
           <a:schemeClr val="accent1"/>
         </a:buClr>
-        <a:buFont charset="0" pitchFamily="34" typeface="Calibri"/>
+        <a:buFont typeface="Calibri" pitchFamily="34" charset="0"/>
         <a:buChar char="◦"/>
-        <a:defRPr kern="1200" sz="1400">
+        <a:defRPr sz="1400" kern="1200">
           <a:solidFill>
             <a:schemeClr val="tx1">
               <a:lumMod val="75000"/>
@@ -6520,7 +6480,7 @@
           <a:cs typeface="+mn-cs"/>
         </a:defRPr>
       </a:lvl4pPr>
-      <a:lvl5pPr algn="l" defTabSz="914400" eaLnBrk="1" hangingPunct="1" indent="-182880" latinLnBrk="0" marL="932688" rtl="0">
+      <a:lvl5pPr marL="932688" indent="-182880" algn="l" defTabSz="914400" rtl="0" eaLnBrk="1" latinLnBrk="0" hangingPunct="1">
         <a:lnSpc>
           <a:spcPct val="90000"/>
         </a:lnSpc>
@@ -6533,9 +6493,9 @@
         <a:buClr>
           <a:schemeClr val="accent1"/>
         </a:buClr>
-        <a:buFont charset="0" pitchFamily="34" typeface="Calibri"/>
+        <a:buFont typeface="Calibri" pitchFamily="34" charset="0"/>
         <a:buChar char="◦"/>
-        <a:defRPr kern="1200" sz="1400">
+        <a:defRPr sz="1400" kern="1200">
           <a:solidFill>
             <a:schemeClr val="tx1">
               <a:lumMod val="75000"/>
@@ -6547,7 +6507,7 @@
           <a:cs typeface="+mn-cs"/>
         </a:defRPr>
       </a:lvl5pPr>
-      <a:lvl6pPr algn="l" defTabSz="914400" eaLnBrk="1" hangingPunct="1" indent="-228600" latinLnBrk="0" marL="1100000" rtl="0">
+      <a:lvl6pPr marL="1100000" indent="-228600" algn="l" defTabSz="914400" rtl="0" eaLnBrk="1" latinLnBrk="0" hangingPunct="1">
         <a:lnSpc>
           <a:spcPct val="90000"/>
         </a:lnSpc>
@@ -6560,9 +6520,9 @@
         <a:buClr>
           <a:schemeClr val="accent1"/>
         </a:buClr>
-        <a:buFont charset="0" pitchFamily="34" typeface="Calibri"/>
+        <a:buFont typeface="Calibri" pitchFamily="34" charset="0"/>
         <a:buChar char="◦"/>
-        <a:defRPr kern="1200" sz="1400">
+        <a:defRPr sz="1400" kern="1200">
           <a:solidFill>
             <a:schemeClr val="tx1">
               <a:lumMod val="75000"/>
@@ -6574,7 +6534,7 @@
           <a:cs typeface="+mn-cs"/>
         </a:defRPr>
       </a:lvl6pPr>
-      <a:lvl7pPr algn="l" defTabSz="914400" eaLnBrk="1" hangingPunct="1" indent="-228600" latinLnBrk="0" marL="1300000" rtl="0">
+      <a:lvl7pPr marL="1300000" indent="-228600" algn="l" defTabSz="914400" rtl="0" eaLnBrk="1" latinLnBrk="0" hangingPunct="1">
         <a:lnSpc>
           <a:spcPct val="90000"/>
         </a:lnSpc>
@@ -6587,9 +6547,9 @@
         <a:buClr>
           <a:schemeClr val="accent1"/>
         </a:buClr>
-        <a:buFont charset="0" pitchFamily="34" typeface="Calibri"/>
+        <a:buFont typeface="Calibri" pitchFamily="34" charset="0"/>
         <a:buChar char="◦"/>
-        <a:defRPr kern="1200" sz="1400">
+        <a:defRPr sz="1400" kern="1200">
           <a:solidFill>
             <a:schemeClr val="tx1">
               <a:lumMod val="75000"/>
@@ -6601,7 +6561,7 @@
           <a:cs typeface="+mn-cs"/>
         </a:defRPr>
       </a:lvl7pPr>
-      <a:lvl8pPr algn="l" defTabSz="914400" eaLnBrk="1" hangingPunct="1" indent="-228600" latinLnBrk="0" marL="1500000" rtl="0">
+      <a:lvl8pPr marL="1500000" indent="-228600" algn="l" defTabSz="914400" rtl="0" eaLnBrk="1" latinLnBrk="0" hangingPunct="1">
         <a:lnSpc>
           <a:spcPct val="90000"/>
         </a:lnSpc>
@@ -6614,9 +6574,9 @@
         <a:buClr>
           <a:schemeClr val="accent1"/>
         </a:buClr>
-        <a:buFont charset="0" pitchFamily="34" typeface="Calibri"/>
+        <a:buFont typeface="Calibri" pitchFamily="34" charset="0"/>
         <a:buChar char="◦"/>
-        <a:defRPr kern="1200" sz="1400">
+        <a:defRPr sz="1400" kern="1200">
           <a:solidFill>
             <a:schemeClr val="tx1">
               <a:lumMod val="75000"/>
@@ -6628,7 +6588,7 @@
           <a:cs typeface="+mn-cs"/>
         </a:defRPr>
       </a:lvl8pPr>
-      <a:lvl9pPr algn="l" defTabSz="914400" eaLnBrk="1" hangingPunct="1" indent="-228600" latinLnBrk="0" marL="1700000" rtl="0">
+      <a:lvl9pPr marL="1700000" indent="-228600" algn="l" defTabSz="914400" rtl="0" eaLnBrk="1" latinLnBrk="0" hangingPunct="1">
         <a:lnSpc>
           <a:spcPct val="90000"/>
         </a:lnSpc>
@@ -6641,9 +6601,9 @@
         <a:buClr>
           <a:schemeClr val="accent1"/>
         </a:buClr>
-        <a:buFont charset="0" pitchFamily="34" typeface="Calibri"/>
+        <a:buFont typeface="Calibri" pitchFamily="34" charset="0"/>
         <a:buChar char="◦"/>
-        <a:defRPr kern="1200" sz="1400">
+        <a:defRPr sz="1400" kern="1200">
           <a:solidFill>
             <a:schemeClr val="tx1">
               <a:lumMod val="75000"/>
@@ -6660,8 +6620,8 @@
       <a:defPPr>
         <a:defRPr lang="en-US"/>
       </a:defPPr>
-      <a:lvl1pPr algn="l" defTabSz="914400" eaLnBrk="1" hangingPunct="1" latinLnBrk="0" marL="0" rtl="0">
-        <a:defRPr kern="1200" sz="1800">
+      <a:lvl1pPr marL="0" algn="l" defTabSz="914400" rtl="0" eaLnBrk="1" latinLnBrk="0" hangingPunct="1">
+        <a:defRPr sz="1800" kern="1200">
           <a:solidFill>
             <a:schemeClr val="tx1"/>
           </a:solidFill>
@@ -6670,8 +6630,8 @@
           <a:cs typeface="+mn-cs"/>
         </a:defRPr>
       </a:lvl1pPr>
-      <a:lvl2pPr algn="l" defTabSz="914400" eaLnBrk="1" hangingPunct="1" latinLnBrk="0" marL="457200" rtl="0">
-        <a:defRPr kern="1200" sz="1800">
+      <a:lvl2pPr marL="457200" algn="l" defTabSz="914400" rtl="0" eaLnBrk="1" latinLnBrk="0" hangingPunct="1">
+        <a:defRPr sz="1800" kern="1200">
           <a:solidFill>
             <a:schemeClr val="tx1"/>
           </a:solidFill>
@@ -6680,8 +6640,8 @@
           <a:cs typeface="+mn-cs"/>
         </a:defRPr>
       </a:lvl2pPr>
-      <a:lvl3pPr algn="l" defTabSz="914400" eaLnBrk="1" hangingPunct="1" latinLnBrk="0" marL="914400" rtl="0">
-        <a:defRPr kern="1200" sz="1800">
+      <a:lvl3pPr marL="914400" algn="l" defTabSz="914400" rtl="0" eaLnBrk="1" latinLnBrk="0" hangingPunct="1">
+        <a:defRPr sz="1800" kern="1200">
           <a:solidFill>
             <a:schemeClr val="tx1"/>
           </a:solidFill>
@@ -6690,8 +6650,8 @@
           <a:cs typeface="+mn-cs"/>
         </a:defRPr>
       </a:lvl3pPr>
-      <a:lvl4pPr algn="l" defTabSz="914400" eaLnBrk="1" hangingPunct="1" latinLnBrk="0" marL="1371600" rtl="0">
-        <a:defRPr kern="1200" sz="1800">
+      <a:lvl4pPr marL="1371600" algn="l" defTabSz="914400" rtl="0" eaLnBrk="1" latinLnBrk="0" hangingPunct="1">
+        <a:defRPr sz="1800" kern="1200">
           <a:solidFill>
             <a:schemeClr val="tx1"/>
           </a:solidFill>
@@ -6700,8 +6660,8 @@
           <a:cs typeface="+mn-cs"/>
         </a:defRPr>
       </a:lvl4pPr>
-      <a:lvl5pPr algn="l" defTabSz="914400" eaLnBrk="1" hangingPunct="1" latinLnBrk="0" marL="1828800" rtl="0">
-        <a:defRPr kern="1200" sz="1800">
+      <a:lvl5pPr marL="1828800" algn="l" defTabSz="914400" rtl="0" eaLnBrk="1" latinLnBrk="0" hangingPunct="1">
+        <a:defRPr sz="1800" kern="1200">
           <a:solidFill>
             <a:schemeClr val="tx1"/>
           </a:solidFill>
@@ -6710,8 +6670,8 @@
           <a:cs typeface="+mn-cs"/>
         </a:defRPr>
       </a:lvl5pPr>
-      <a:lvl6pPr algn="l" defTabSz="914400" eaLnBrk="1" hangingPunct="1" latinLnBrk="0" marL="2286000" rtl="0">
-        <a:defRPr kern="1200" sz="1800">
+      <a:lvl6pPr marL="2286000" algn="l" defTabSz="914400" rtl="0" eaLnBrk="1" latinLnBrk="0" hangingPunct="1">
+        <a:defRPr sz="1800" kern="1200">
           <a:solidFill>
             <a:schemeClr val="tx1"/>
           </a:solidFill>
@@ -6720,8 +6680,8 @@
           <a:cs typeface="+mn-cs"/>
         </a:defRPr>
       </a:lvl6pPr>
-      <a:lvl7pPr algn="l" defTabSz="914400" eaLnBrk="1" hangingPunct="1" latinLnBrk="0" marL="2743200" rtl="0">
-        <a:defRPr kern="1200" sz="1800">
+      <a:lvl7pPr marL="2743200" algn="l" defTabSz="914400" rtl="0" eaLnBrk="1" latinLnBrk="0" hangingPunct="1">
+        <a:defRPr sz="1800" kern="1200">
           <a:solidFill>
             <a:schemeClr val="tx1"/>
           </a:solidFill>
@@ -6730,8 +6690,8 @@
           <a:cs typeface="+mn-cs"/>
         </a:defRPr>
       </a:lvl7pPr>
-      <a:lvl8pPr algn="l" defTabSz="914400" eaLnBrk="1" hangingPunct="1" latinLnBrk="0" marL="3200400" rtl="0">
-        <a:defRPr kern="1200" sz="1800">
+      <a:lvl8pPr marL="3200400" algn="l" defTabSz="914400" rtl="0" eaLnBrk="1" latinLnBrk="0" hangingPunct="1">
+        <a:defRPr sz="1800" kern="1200">
           <a:solidFill>
             <a:schemeClr val="tx1"/>
           </a:solidFill>
@@ -6740,8 +6700,8 @@
           <a:cs typeface="+mn-cs"/>
         </a:defRPr>
       </a:lvl8pPr>
-      <a:lvl9pPr algn="l" defTabSz="914400" eaLnBrk="1" hangingPunct="1" latinLnBrk="0" marL="3657600" rtl="0">
-        <a:defRPr kern="1200" sz="1800">
+      <a:lvl9pPr marL="3657600" algn="l" defTabSz="914400" rtl="0" eaLnBrk="1" latinLnBrk="0" hangingPunct="1">
+        <a:defRPr sz="1800" kern="1200">
           <a:solidFill>
             <a:schemeClr val="tx1"/>
           </a:solidFill>
@@ -6792,11 +6752,10 @@
           <a:bodyPr/>
           <a:lstStyle/>
           <a:p>
-            <a:pPr lvl="0" indent="0" marL="0">
+            <a:pPr marL="0" lvl="0" indent="0">
               <a:buNone/>
             </a:pPr>
             <a:r>
-              <a:rPr/>
               <a:t>R: Importing Data</a:t>
             </a:r>
           </a:p>
@@ -6809,7 +6768,7 @@
             <a:spLocks noGrp="1"/>
           </p:cNvSpPr>
           <p:nvPr>
-            <p:ph idx="1" type="subTitle"/>
+            <p:ph type="subTitle" idx="1"/>
           </p:nvPr>
         </p:nvSpPr>
         <p:spPr>
@@ -6822,13 +6781,12 @@
           <a:bodyPr/>
           <a:lstStyle/>
           <a:p>
-            <a:pPr lvl="0" indent="0" marL="0">
+            <a:pPr marL="0" lvl="0" indent="0">
               <a:buNone/>
             </a:pPr>
             <a:br/>
             <a:br/>
             <a:r>
-              <a:rPr/>
               <a:t>Alex Jack</a:t>
             </a:r>
           </a:p>
@@ -6841,26 +6799,28 @@
             <a:spLocks noGrp="1"/>
           </p:cNvSpPr>
           <p:nvPr>
-            <p:ph idx="10" sz="half" type="dt"/>
-          </p:nvPr>
-        </p:nvSpPr>
-        <p:spPr/>
-        <p:txBody>
-          <a:bodyPr/>
-          <a:lstStyle/>
-          <a:p>
-            <a:pPr lvl="0" indent="0" marL="0">
+            <p:ph type="dt" sz="half" idx="10"/>
+          </p:nvPr>
+        </p:nvSpPr>
+        <p:spPr/>
+        <p:txBody>
+          <a:bodyPr/>
+          <a:lstStyle/>
+          <a:p>
+            <a:pPr marL="0" lvl="0" indent="0">
               <a:buNone/>
             </a:pPr>
             <a:r>
-              <a:rPr/>
-              <a:t>2025-10-20 10:57:16</a:t>
+              <a:t>2025-10-20 11:43:22</a:t>
             </a:r>
           </a:p>
         </p:txBody>
       </p:sp>
     </p:spTree>
   </p:cSld>
+  <p:clrMapOvr>
+    <a:masterClrMapping/>
+  </p:clrMapOvr>
 </p:sld>
 </file>
 
@@ -6896,11 +6856,10 @@
           <a:bodyPr/>
           <a:lstStyle/>
           <a:p>
-            <a:pPr lvl="0" indent="0" marL="0">
+            <a:pPr marL="0" lvl="0" indent="0">
               <a:buNone/>
             </a:pPr>
             <a:r>
-              <a:rPr/>
               <a:t>Base R</a:t>
             </a:r>
           </a:p>
@@ -7198,6 +7157,9 @@
       </p:sp>
     </p:spTree>
   </p:cSld>
+  <p:clrMapOvr>
+    <a:masterClrMapping/>
+  </p:clrMapOvr>
 </p:sld>
 </file>
 
@@ -7233,7 +7195,7 @@
           <a:bodyPr/>
           <a:lstStyle/>
           <a:p>
-            <a:pPr lvl="0" indent="0" marL="0">
+            <a:pPr marL="0" lvl="0" indent="0">
               <a:buNone/>
             </a:pPr>
             <a:r>
@@ -7432,6 +7394,9 @@
       </p:sp>
     </p:spTree>
   </p:cSld>
+  <p:clrMapOvr>
+    <a:masterClrMapping/>
+  </p:clrMapOvr>
 </p:sld>
 </file>
 
@@ -7467,11 +7432,10 @@
           <a:bodyPr/>
           <a:lstStyle/>
           <a:p>
-            <a:pPr lvl="0" indent="0" marL="0">
+            <a:pPr marL="0" lvl="0" indent="0">
               <a:buNone/>
             </a:pPr>
             <a:r>
-              <a:rPr/>
               <a:t>Missing values and inconsistencies</a:t>
             </a:r>
           </a:p>
@@ -7945,6 +7909,9 @@
       </p:sp>
     </p:spTree>
   </p:cSld>
+  <p:clrMapOvr>
+    <a:masterClrMapping/>
+  </p:clrMapOvr>
 </p:sld>
 </file>
 
@@ -7980,11 +7947,10 @@
           <a:bodyPr/>
           <a:lstStyle/>
           <a:p>
-            <a:pPr lvl="0" indent="0" marL="0">
+            <a:pPr marL="0" lvl="0" indent="0">
               <a:buNone/>
             </a:pPr>
             <a:r>
-              <a:rPr/>
               <a:t>Tidyverse</a:t>
             </a:r>
           </a:p>
@@ -8095,6 +8061,9 @@
       </p:sp>
     </p:spTree>
   </p:cSld>
+  <p:clrMapOvr>
+    <a:masterClrMapping/>
+  </p:clrMapOvr>
 </p:sld>
 </file>
 
@@ -8130,11 +8099,10 @@
           <a:bodyPr/>
           <a:lstStyle/>
           <a:p>
-            <a:pPr lvl="0" indent="0" marL="0">
+            <a:pPr marL="0" lvl="0" indent="0">
               <a:buNone/>
             </a:pPr>
             <a:r>
-              <a:rPr/>
               <a:t>Excel</a:t>
             </a:r>
           </a:p>
@@ -8297,6 +8265,9 @@
       </p:sp>
     </p:spTree>
   </p:cSld>
+  <p:clrMapOvr>
+    <a:masterClrMapping/>
+  </p:clrMapOvr>
 </p:sld>
 </file>
 
@@ -8332,11 +8303,10 @@
           <a:bodyPr/>
           <a:lstStyle/>
           <a:p>
-            <a:pPr lvl="0" indent="0" marL="0">
+            <a:pPr marL="0" lvl="0" indent="0">
               <a:buNone/>
             </a:pPr>
             <a:r>
-              <a:rPr/>
               <a:t>More In-Depth with Tidyverse </a:t>
             </a:r>
             <a:r>
@@ -8482,6 +8452,9 @@
       </p:sp>
     </p:spTree>
   </p:cSld>
+  <p:clrMapOvr>
+    <a:masterClrMapping/>
+  </p:clrMapOvr>
 </p:sld>
 </file>
 
@@ -8517,11 +8490,10 @@
           <a:bodyPr/>
           <a:lstStyle/>
           <a:p>
-            <a:pPr lvl="0" indent="0" marL="0">
+            <a:pPr marL="0" lvl="0" indent="0">
               <a:buNone/>
             </a:pPr>
             <a:r>
-              <a:rPr/>
               <a:t>Advanced topic: importing multiple files with </a:t>
             </a:r>
             <a:r>
@@ -8988,6 +8960,9 @@
       </p:sp>
     </p:spTree>
   </p:cSld>
+  <p:clrMapOvr>
+    <a:masterClrMapping/>
+  </p:clrMapOvr>
 </p:sld>
 </file>
 
@@ -9023,11 +8998,10 @@
           <a:bodyPr/>
           <a:lstStyle/>
           <a:p>
-            <a:pPr lvl="0" indent="0" marL="0">
+            <a:pPr marL="0" lvl="0" indent="0">
               <a:buNone/>
             </a:pPr>
             <a:r>
-              <a:rPr/>
               <a:t>Glimpse and multiple files</a:t>
             </a:r>
           </a:p>
@@ -9250,6 +9224,9 @@
       </p:sp>
     </p:spTree>
   </p:cSld>
+  <p:clrMapOvr>
+    <a:masterClrMapping/>
+  </p:clrMapOvr>
 </p:sld>
 </file>
 
@@ -9285,11 +9262,10 @@
           <a:bodyPr/>
           <a:lstStyle/>
           <a:p>
-            <a:pPr lvl="0" indent="0" marL="0">
+            <a:pPr marL="0" lvl="0" indent="0">
               <a:buNone/>
             </a:pPr>
             <a:r>
-              <a:rPr/>
               <a:t>After importing</a:t>
             </a:r>
           </a:p>
@@ -9312,7 +9288,6 @@
           <a:p>
             <a:pPr lvl="0"/>
             <a:r>
-              <a:rPr/>
               <a:t>Now that we’ve imported data here are some common functions used to get oriented with a new dataset.</a:t>
             </a:r>
           </a:p>
@@ -9415,6 +9390,9 @@
       </p:sp>
     </p:spTree>
   </p:cSld>
+  <p:clrMapOvr>
+    <a:masterClrMapping/>
+  </p:clrMapOvr>
 </p:sld>
 </file>
 
@@ -9450,11 +9428,10 @@
           <a:bodyPr/>
           <a:lstStyle/>
           <a:p>
-            <a:pPr lvl="0" indent="0" marL="0">
+            <a:pPr marL="0" lvl="0" indent="0">
               <a:buNone/>
             </a:pPr>
             <a:r>
-              <a:rPr/>
               <a:t>What is in a name?</a:t>
             </a:r>
           </a:p>
@@ -9563,6 +9540,9 @@
       </p:sp>
     </p:spTree>
   </p:cSld>
+  <p:clrMapOvr>
+    <a:masterClrMapping/>
+  </p:clrMapOvr>
 </p:sld>
 </file>
 
@@ -9598,11 +9578,10 @@
           <a:bodyPr/>
           <a:lstStyle/>
           <a:p>
-            <a:pPr lvl="0" indent="0" marL="0">
+            <a:pPr marL="0" lvl="0" indent="0">
               <a:buNone/>
             </a:pPr>
             <a:r>
-              <a:rPr/>
               <a:t>Where do your data live before R</a:t>
             </a:r>
           </a:p>
@@ -9625,7 +9604,6 @@
           <a:p>
             <a:pPr lvl="0"/>
             <a:r>
-              <a:rPr/>
               <a:t>MS Excel, Google Sheets, CSV, Databases, Websites/APIs</a:t>
             </a:r>
           </a:p>
@@ -9633,6 +9611,9 @@
       </p:sp>
     </p:spTree>
   </p:cSld>
+  <p:clrMapOvr>
+    <a:masterClrMapping/>
+  </p:clrMapOvr>
 </p:sld>
 </file>
 
@@ -9668,11 +9649,10 @@
           <a:bodyPr/>
           <a:lstStyle/>
           <a:p>
-            <a:pPr lvl="0" indent="0" marL="0">
+            <a:pPr marL="0" lvl="0" indent="0">
               <a:buNone/>
             </a:pPr>
             <a:r>
-              <a:rPr/>
               <a:t>Long-format data</a:t>
             </a:r>
           </a:p>
@@ -9699,7 +9679,6 @@
               <a:t>Note that</a:t>
             </a:r>
             <a:r>
-              <a:rPr/>
               <a:t> people will often use the terms </a:t>
             </a:r>
             <a:r>
@@ -9707,7 +9686,6 @@
               <a:t>wide</a:t>
             </a:r>
             <a:r>
-              <a:rPr/>
               <a:t>, </a:t>
             </a:r>
             <a:r>
@@ -9715,7 +9693,6 @@
               <a:t>long</a:t>
             </a:r>
             <a:r>
-              <a:rPr/>
               <a:t>, </a:t>
             </a:r>
             <a:r>
@@ -9723,7 +9700,6 @@
               <a:t>wide format</a:t>
             </a:r>
             <a:r>
-              <a:rPr/>
               <a:t> or </a:t>
             </a:r>
             <a:r>
@@ -9731,7 +9707,6 @@
               <a:t>long format</a:t>
             </a:r>
             <a:r>
-              <a:rPr/>
               <a:t> to describe their dataframes or </a:t>
             </a:r>
             <a:r>
@@ -9741,7 +9716,6 @@
               <a:t>data.tables</a:t>
             </a:r>
             <a:r>
-              <a:rPr/>
               <a:t> once they have been read in. This is simply a description of the orientation of the data frame.</a:t>
             </a:r>
           </a:p>
@@ -9870,6 +9844,9 @@
       </p:sp>
     </p:spTree>
   </p:cSld>
+  <p:clrMapOvr>
+    <a:masterClrMapping/>
+  </p:clrMapOvr>
 </p:sld>
 </file>
 
@@ -9905,11 +9882,10 @@
           <a:bodyPr/>
           <a:lstStyle/>
           <a:p>
-            <a:pPr lvl="0" indent="0" marL="0">
+            <a:pPr marL="0" lvl="0" indent="0">
               <a:buNone/>
             </a:pPr>
             <a:r>
-              <a:rPr/>
               <a:t>Wide-format data</a:t>
             </a:r>
           </a:p>
@@ -10217,6 +10193,9 @@
       </p:sp>
     </p:spTree>
   </p:cSld>
+  <p:clrMapOvr>
+    <a:masterClrMapping/>
+  </p:clrMapOvr>
 </p:sld>
 </file>
 
@@ -10252,11 +10231,10 @@
           <a:bodyPr/>
           <a:lstStyle/>
           <a:p>
-            <a:pPr lvl="0" indent="0" marL="0">
+            <a:pPr marL="0" lvl="0" indent="0">
               <a:buNone/>
             </a:pPr>
             <a:r>
-              <a:rPr/>
               <a:t>Takeaway</a:t>
             </a:r>
           </a:p>
@@ -10279,7 +10257,6 @@
           <a:p>
             <a:pPr lvl="0"/>
             <a:r>
-              <a:rPr/>
               <a:t>R </a:t>
             </a:r>
             <a:r>
@@ -10287,21 +10264,18 @@
               <a:t>imports</a:t>
             </a:r>
             <a:r>
-              <a:rPr/>
               <a:t> data into memory, it doesn’t “open” files</a:t>
             </a:r>
           </a:p>
           <a:p>
             <a:pPr lvl="0"/>
             <a:r>
-              <a:rPr/>
               <a:t>Keep projects self-contained with R Projects</a:t>
             </a:r>
           </a:p>
           <a:p>
             <a:pPr lvl="0"/>
             <a:r>
-              <a:rPr/>
               <a:t>Always use </a:t>
             </a:r>
             <a:r>
@@ -10312,7 +10286,6 @@
           <a:p>
             <a:pPr lvl="0"/>
             <a:r>
-              <a:rPr/>
               <a:t>Use </a:t>
             </a:r>
             <a:r>
@@ -10322,7 +10295,6 @@
               <a:t>read_csv()</a:t>
             </a:r>
             <a:r>
-              <a:rPr/>
               <a:t> / </a:t>
             </a:r>
             <a:r>
@@ -10332,14 +10304,12 @@
               <a:t>read_excel()</a:t>
             </a:r>
             <a:r>
-              <a:rPr/>
               <a:t> for tidyverse workflows</a:t>
             </a:r>
           </a:p>
           <a:p>
             <a:pPr lvl="0"/>
             <a:r>
-              <a:rPr/>
               <a:t>Explore your data with </a:t>
             </a:r>
             <a:r>
@@ -10349,7 +10319,6 @@
               <a:t>str()</a:t>
             </a:r>
             <a:r>
-              <a:rPr/>
               <a:t>, </a:t>
             </a:r>
             <a:r>
@@ -10359,7 +10328,6 @@
               <a:t>glimpse()</a:t>
             </a:r>
             <a:r>
-              <a:rPr/>
               <a:t>, </a:t>
             </a:r>
             <a:r>
@@ -10369,7 +10337,6 @@
               <a:t>head()</a:t>
             </a:r>
             <a:r>
-              <a:rPr/>
               <a:t> and </a:t>
             </a:r>
             <a:r>
@@ -10382,7 +10349,6 @@
           <a:p>
             <a:pPr lvl="0"/>
             <a:r>
-              <a:rPr/>
               <a:t>Know your data’s shape: </a:t>
             </a:r>
             <a:r>
@@ -10394,6 +10360,9 @@
       </p:sp>
     </p:spTree>
   </p:cSld>
+  <p:clrMapOvr>
+    <a:masterClrMapping/>
+  </p:clrMapOvr>
 </p:sld>
 </file>
 
@@ -10429,11 +10398,10 @@
           <a:bodyPr/>
           <a:lstStyle/>
           <a:p>
-            <a:pPr lvl="0" indent="0" marL="0">
+            <a:pPr marL="0" lvl="0" indent="0">
               <a:buNone/>
             </a:pPr>
             <a:r>
-              <a:rPr/>
               <a:t>Importing versus opening data</a:t>
             </a:r>
           </a:p>
@@ -10456,7 +10424,6 @@
           <a:p>
             <a:pPr lvl="0"/>
             <a:r>
-              <a:rPr/>
               <a:t>When you work with data in R you have move from </a:t>
             </a:r>
             <a:r>
@@ -10464,7 +10431,6 @@
               <a:t>opening</a:t>
             </a:r>
             <a:r>
-              <a:rPr/>
               <a:t> data files to </a:t>
             </a:r>
             <a:r>
@@ -10472,14 +10438,12 @@
               <a:t>importing</a:t>
             </a:r>
             <a:r>
-              <a:rPr/>
               <a:t> data into data structures.</a:t>
             </a:r>
           </a:p>
           <a:p>
             <a:pPr lvl="0"/>
             <a:r>
-              <a:rPr/>
               <a:t>When you import data into R you aren’t clicking on rows, columns and cells in excel or google sheets anymore you are manipulating </a:t>
             </a:r>
             <a:r>
@@ -10487,7 +10451,6 @@
               <a:t>objects</a:t>
             </a:r>
             <a:r>
-              <a:rPr/>
               <a:t>.</a:t>
             </a:r>
           </a:p>
@@ -10495,6 +10458,9 @@
       </p:sp>
     </p:spTree>
   </p:cSld>
+  <p:clrMapOvr>
+    <a:masterClrMapping/>
+  </p:clrMapOvr>
 </p:sld>
 </file>
 
@@ -10530,11 +10496,10 @@
           <a:bodyPr/>
           <a:lstStyle/>
           <a:p>
-            <a:pPr lvl="0" indent="0" marL="0">
+            <a:pPr marL="0" lvl="0" indent="0">
               <a:buNone/>
             </a:pPr>
             <a:r>
-              <a:rPr/>
               <a:t>Think-pair-share</a:t>
             </a:r>
           </a:p>
@@ -10557,7 +10522,6 @@
           <a:p>
             <a:pPr lvl="0"/>
             <a:r>
-              <a:rPr/>
               <a:t>Lets say you have opened a file in R (health_data.csv). You edit a cell in the data structure in R. What happens to the original </a:t>
             </a:r>
             <a:r>
@@ -10567,7 +10531,6 @@
               <a:t>health_data.csv</a:t>
             </a:r>
             <a:r>
-              <a:rPr/>
               <a:t> file?</a:t>
             </a:r>
           </a:p>
@@ -10575,6 +10538,9 @@
       </p:sp>
     </p:spTree>
   </p:cSld>
+  <p:clrMapOvr>
+    <a:masterClrMapping/>
+  </p:clrMapOvr>
 </p:sld>
 </file>
 
@@ -10610,11 +10576,10 @@
           <a:bodyPr/>
           <a:lstStyle/>
           <a:p>
-            <a:pPr lvl="0" indent="0" marL="0">
+            <a:pPr marL="0" lvl="0" indent="0">
               <a:buNone/>
             </a:pPr>
             <a:r>
-              <a:rPr/>
               <a:t>File structures</a:t>
             </a:r>
           </a:p>
@@ -10637,7 +10602,6 @@
           <a:p>
             <a:pPr lvl="0"/>
             <a:r>
-              <a:rPr/>
               <a:t>File structures often referred to as </a:t>
             </a:r>
             <a:r>
@@ -10648,7 +10612,6 @@
           <a:p>
             <a:pPr lvl="0"/>
             <a:r>
-              <a:rPr/>
               <a:t>Folders are often referred to as </a:t>
             </a:r>
             <a:r>
@@ -10698,6 +10661,9 @@
       </p:sp>
     </p:spTree>
   </p:cSld>
+  <p:clrMapOvr>
+    <a:masterClrMapping/>
+  </p:clrMapOvr>
 </p:sld>
 </file>
 
@@ -10733,11 +10699,10 @@
           <a:bodyPr/>
           <a:lstStyle/>
           <a:p>
-            <a:pPr lvl="0" indent="0" marL="0">
+            <a:pPr marL="0" lvl="0" indent="0">
               <a:buNone/>
             </a:pPr>
             <a:r>
-              <a:rPr/>
               <a:t>The Working Directory</a:t>
             </a:r>
           </a:p>
@@ -10760,7 +10725,6 @@
           <a:p>
             <a:pPr lvl="0"/>
             <a:r>
-              <a:rPr/>
               <a:t>The </a:t>
             </a:r>
             <a:r>
@@ -10768,7 +10732,6 @@
               <a:t>working directory</a:t>
             </a:r>
             <a:r>
-              <a:rPr/>
               <a:t> is a </a:t>
             </a:r>
             <a:r>
@@ -10776,7 +10739,6 @@
               <a:t>term of art</a:t>
             </a:r>
             <a:r>
-              <a:rPr/>
               <a:t> for the directory where your project lives</a:t>
             </a:r>
           </a:p>
@@ -10839,6 +10801,9 @@
       </p:sp>
     </p:spTree>
   </p:cSld>
+  <p:clrMapOvr>
+    <a:masterClrMapping/>
+  </p:clrMapOvr>
 </p:sld>
 </file>
 
@@ -10879,11 +10844,10 @@
           <a:bodyPr/>
           <a:lstStyle/>
           <a:p>
-            <a:pPr lvl="0" indent="0" marL="0">
+            <a:pPr marL="0" lvl="0" indent="0">
               <a:buNone/>
             </a:pPr>
             <a:r>
-              <a:rPr/>
               <a:t>R Projects</a:t>
             </a:r>
           </a:p>
@@ -10896,7 +10860,7 @@
             <a:spLocks noGrp="1"/>
           </p:cNvSpPr>
           <p:nvPr>
-            <p:ph idx="2" sz="half" type="body"/>
+            <p:ph type="body" sz="half" idx="2"/>
           </p:nvPr>
         </p:nvSpPr>
         <p:spPr/>
@@ -10906,7 +10870,6 @@
           <a:p>
             <a:pPr lvl="0"/>
             <a:r>
-              <a:rPr/>
               <a:t>The best way to keep track of files (and the way I do it) is with </a:t>
             </a:r>
             <a:r>
@@ -10918,7 +10881,7 @@
       </p:sp>
       <p:pic>
         <p:nvPicPr>
-          <p:cNvPr descr="../../docs/assets/gifs/R_projects.gif" id="0" name="Picture 1"/>
+          <p:cNvPr id="3" name="Picture 1" descr="../../docs/assets/gifs/R_projects.gif"/>
           <p:cNvPicPr>
             <a:picLocks noGrp="1" noChangeAspect="1"/>
           </p:cNvPicPr>
@@ -10948,6 +10911,9 @@
       </p:pic>
     </p:spTree>
   </p:cSld>
+  <p:clrMapOvr>
+    <a:masterClrMapping/>
+  </p:clrMapOvr>
 </p:sld>
 </file>
 
@@ -10983,11 +10949,10 @@
           <a:bodyPr/>
           <a:lstStyle/>
           <a:p>
-            <a:pPr lvl="0" indent="0" marL="0">
+            <a:pPr marL="0" lvl="0" indent="0">
               <a:buNone/>
             </a:pPr>
             <a:r>
-              <a:rPr/>
               <a:t>Relative versus absolute filepaths</a:t>
             </a:r>
           </a:p>
@@ -10995,7 +10960,7 @@
       </p:sp>
       <p:pic>
         <p:nvPicPr>
-          <p:cNvPr descr="../../docs/assets/gifs/file-path-example.gif" id="0" name="Picture 1"/>
+          <p:cNvPr id="3" name="Picture 1" descr="../../docs/assets/gifs/file-path-example.gif"/>
           <p:cNvPicPr>
             <a:picLocks noGrp="1" noChangeAspect="1"/>
           </p:cNvPicPr>
@@ -11025,6 +10990,9 @@
       </p:pic>
     </p:spTree>
   </p:cSld>
+  <p:clrMapOvr>
+    <a:masterClrMapping/>
+  </p:clrMapOvr>
 </p:sld>
 </file>
 
@@ -11060,11 +11028,10 @@
           <a:bodyPr/>
           <a:lstStyle/>
           <a:p>
-            <a:pPr lvl="0" indent="0" marL="0">
+            <a:pPr marL="0" lvl="0" indent="0">
               <a:buNone/>
             </a:pPr>
             <a:r>
-              <a:rPr/>
               <a:t>Working with absolute and relative filepaths</a:t>
             </a:r>
           </a:p>
@@ -11131,7 +11098,6 @@
           <a:p>
             <a:pPr lvl="0"/>
             <a:r>
-              <a:rPr/>
               <a:t>Note that the </a:t>
             </a:r>
             <a:r>
@@ -11141,7 +11107,6 @@
               <a:t>.</a:t>
             </a:r>
             <a:r>
-              <a:rPr/>
               <a:t> operator in a filepath signifies the current </a:t>
             </a:r>
             <a:r>
@@ -11149,14 +11114,12 @@
               <a:t>working directory</a:t>
             </a:r>
             <a:r>
-              <a:rPr/>
               <a:t>.</a:t>
             </a:r>
           </a:p>
           <a:p>
             <a:pPr lvl="0"/>
             <a:r>
-              <a:rPr/>
               <a:t>This operator can be used any number of times to specify higher levels of the file structure.</a:t>
             </a:r>
           </a:p>
@@ -11164,6 +11127,9 @@
       </p:sp>
     </p:spTree>
   </p:cSld>
+  <p:clrMapOvr>
+    <a:masterClrMapping/>
+  </p:clrMapOvr>
 </p:sld>
 </file>
 
